--- a/doc/T1/边缘计算-智能无人机平台开发开发计划(1).pptx
+++ b/doc/T1/边缘计算-智能无人机平台开发开发计划(1).pptx
@@ -256,7 +256,7 @@
           <a:p>
             <a:fld id="{5C3AAAEC-8584-48E9-AD70-94BCEE7D4867}" type="datetimeFigureOut">
               <a:rPr lang="zh-CN" altLang="en-US" smtClean="0"/>
-              <a:t>2018/10/21</a:t>
+              <a:t>2018/10/28</a:t>
             </a:fld>
             <a:endParaRPr lang="zh-CN" altLang="en-US"/>
           </a:p>
@@ -9519,7 +9519,7 @@
           <a:graphicData uri="http://schemas.openxmlformats.org/presentationml/2006/ole">
             <mc:AlternateContent xmlns:mc="http://schemas.openxmlformats.org/markup-compatibility/2006">
               <mc:Choice xmlns:v="urn:schemas-microsoft-com:vml" Requires="v">
-                <p:oleObj spid="_x0000_s1079" name="Visio" r:id="rId4" imgW="6105485" imgH="4229139" progId="Visio.Drawing.15">
+                <p:oleObj spid="_x0000_s1080" name="Visio" r:id="rId4" imgW="6105485" imgH="4229139" progId="Visio.Drawing.15">
                   <p:embed/>
                 </p:oleObj>
               </mc:Choice>
@@ -10389,7 +10389,7 @@
           <a:graphicData uri="http://schemas.openxmlformats.org/presentationml/2006/ole">
             <mc:AlternateContent xmlns:mc="http://schemas.openxmlformats.org/markup-compatibility/2006">
               <mc:Choice xmlns:v="urn:schemas-microsoft-com:vml" Requires="v">
-                <p:oleObj spid="_x0000_s2086" name="Visio" r:id="rId4" imgW="6105485" imgH="4229139" progId="Visio.Drawing.15">
+                <p:oleObj spid="_x0000_s2087" name="Visio" r:id="rId4" imgW="6105485" imgH="4229139" progId="Visio.Drawing.15">
                   <p:embed/>
                 </p:oleObj>
               </mc:Choice>
@@ -11063,7 +11063,7 @@
           <a:graphicData uri="http://schemas.openxmlformats.org/presentationml/2006/ole">
             <mc:AlternateContent xmlns:mc="http://schemas.openxmlformats.org/markup-compatibility/2006">
               <mc:Choice xmlns:v="urn:schemas-microsoft-com:vml" Requires="v">
-                <p:oleObj spid="_x0000_s3102" name="Visio" r:id="rId5" imgW="6105485" imgH="4229139" progId="Visio.Drawing.15">
+                <p:oleObj spid="_x0000_s3103" name="Visio" r:id="rId5" imgW="6105485" imgH="4229139" progId="Visio.Drawing.15">
                   <p:embed/>
                 </p:oleObj>
               </mc:Choice>

--- a/doc/T1/边缘计算-智能无人机平台开发开发计划(1).pptx
+++ b/doc/T1/边缘计算-智能无人机平台开发开发计划(1).pptx
@@ -256,7 +256,7 @@
           <a:p>
             <a:fld id="{5C3AAAEC-8584-48E9-AD70-94BCEE7D4867}" type="datetimeFigureOut">
               <a:rPr lang="zh-CN" altLang="en-US" smtClean="0"/>
-              <a:t>2018/10/28</a:t>
+              <a:t>2018/11/2</a:t>
             </a:fld>
             <a:endParaRPr lang="zh-CN" altLang="en-US"/>
           </a:p>
@@ -9519,7 +9519,7 @@
           <a:graphicData uri="http://schemas.openxmlformats.org/presentationml/2006/ole">
             <mc:AlternateContent xmlns:mc="http://schemas.openxmlformats.org/markup-compatibility/2006">
               <mc:Choice xmlns:v="urn:schemas-microsoft-com:vml" Requires="v">
-                <p:oleObj spid="_x0000_s1080" name="Visio" r:id="rId4" imgW="6105485" imgH="4229139" progId="Visio.Drawing.15">
+                <p:oleObj spid="_x0000_s1081" name="Visio" r:id="rId4" imgW="6105485" imgH="4229139" progId="Visio.Drawing.15">
                   <p:embed/>
                 </p:oleObj>
               </mc:Choice>
@@ -10389,7 +10389,7 @@
           <a:graphicData uri="http://schemas.openxmlformats.org/presentationml/2006/ole">
             <mc:AlternateContent xmlns:mc="http://schemas.openxmlformats.org/markup-compatibility/2006">
               <mc:Choice xmlns:v="urn:schemas-microsoft-com:vml" Requires="v">
-                <p:oleObj spid="_x0000_s2087" name="Visio" r:id="rId4" imgW="6105485" imgH="4229139" progId="Visio.Drawing.15">
+                <p:oleObj spid="_x0000_s2088" name="Visio" r:id="rId4" imgW="6105485" imgH="4229139" progId="Visio.Drawing.15">
                   <p:embed/>
                 </p:oleObj>
               </mc:Choice>
@@ -11063,7 +11063,7 @@
           <a:graphicData uri="http://schemas.openxmlformats.org/presentationml/2006/ole">
             <mc:AlternateContent xmlns:mc="http://schemas.openxmlformats.org/markup-compatibility/2006">
               <mc:Choice xmlns:v="urn:schemas-microsoft-com:vml" Requires="v">
-                <p:oleObj spid="_x0000_s3103" name="Visio" r:id="rId5" imgW="6105485" imgH="4229139" progId="Visio.Drawing.15">
+                <p:oleObj spid="_x0000_s3104" name="Visio" r:id="rId5" imgW="6105485" imgH="4229139" progId="Visio.Drawing.15">
                   <p:embed/>
                 </p:oleObj>
               </mc:Choice>
